--- a/ctscpm2ap/CPAInstructions.pptx
+++ b/ctscpm2ap/CPAInstructions.pptx
@@ -200,7 +200,7 @@
           <a:p>
             <a:fld id="{9597641E-1FEC-4D17-ABE5-FD3DD377A8DB}" type="datetimeFigureOut">
               <a:rPr lang="en-DK" smtClean="0"/>
-              <a:t>09/11/2024</a:t>
+              <a:t>10/11/2024</a:t>
             </a:fld>
             <a:endParaRPr lang="en-DK"/>
           </a:p>
@@ -1169,7 +1169,7 @@
           <a:p>
             <a:fld id="{FD945BFA-2589-44DD-9174-8BD10EC1EAAD}" type="datetimeFigureOut">
               <a:rPr lang="en-DK" smtClean="0"/>
-              <a:t>09/11/2024</a:t>
+              <a:t>10/11/2024</a:t>
             </a:fld>
             <a:endParaRPr lang="en-DK"/>
           </a:p>
@@ -1369,7 +1369,7 @@
           <a:p>
             <a:fld id="{FD945BFA-2589-44DD-9174-8BD10EC1EAAD}" type="datetimeFigureOut">
               <a:rPr lang="en-DK" smtClean="0"/>
-              <a:t>09/11/2024</a:t>
+              <a:t>10/11/2024</a:t>
             </a:fld>
             <a:endParaRPr lang="en-DK"/>
           </a:p>
@@ -1579,7 +1579,7 @@
           <a:p>
             <a:fld id="{FD945BFA-2589-44DD-9174-8BD10EC1EAAD}" type="datetimeFigureOut">
               <a:rPr lang="en-DK" smtClean="0"/>
-              <a:t>09/11/2024</a:t>
+              <a:t>10/11/2024</a:t>
             </a:fld>
             <a:endParaRPr lang="en-DK"/>
           </a:p>
@@ -1779,7 +1779,7 @@
           <a:p>
             <a:fld id="{FD945BFA-2589-44DD-9174-8BD10EC1EAAD}" type="datetimeFigureOut">
               <a:rPr lang="en-DK" smtClean="0"/>
-              <a:t>09/11/2024</a:t>
+              <a:t>10/11/2024</a:t>
             </a:fld>
             <a:endParaRPr lang="en-DK"/>
           </a:p>
@@ -2055,7 +2055,7 @@
           <a:p>
             <a:fld id="{FD945BFA-2589-44DD-9174-8BD10EC1EAAD}" type="datetimeFigureOut">
               <a:rPr lang="en-DK" smtClean="0"/>
-              <a:t>09/11/2024</a:t>
+              <a:t>10/11/2024</a:t>
             </a:fld>
             <a:endParaRPr lang="en-DK"/>
           </a:p>
@@ -2323,7 +2323,7 @@
           <a:p>
             <a:fld id="{FD945BFA-2589-44DD-9174-8BD10EC1EAAD}" type="datetimeFigureOut">
               <a:rPr lang="en-DK" smtClean="0"/>
-              <a:t>09/11/2024</a:t>
+              <a:t>10/11/2024</a:t>
             </a:fld>
             <a:endParaRPr lang="en-DK"/>
           </a:p>
@@ -2738,7 +2738,7 @@
           <a:p>
             <a:fld id="{FD945BFA-2589-44DD-9174-8BD10EC1EAAD}" type="datetimeFigureOut">
               <a:rPr lang="en-DK" smtClean="0"/>
-              <a:t>09/11/2024</a:t>
+              <a:t>10/11/2024</a:t>
             </a:fld>
             <a:endParaRPr lang="en-DK"/>
           </a:p>
@@ -2880,7 +2880,7 @@
           <a:p>
             <a:fld id="{FD945BFA-2589-44DD-9174-8BD10EC1EAAD}" type="datetimeFigureOut">
               <a:rPr lang="en-DK" smtClean="0"/>
-              <a:t>09/11/2024</a:t>
+              <a:t>10/11/2024</a:t>
             </a:fld>
             <a:endParaRPr lang="en-DK"/>
           </a:p>
@@ -2993,7 +2993,7 @@
           <a:p>
             <a:fld id="{FD945BFA-2589-44DD-9174-8BD10EC1EAAD}" type="datetimeFigureOut">
               <a:rPr lang="en-DK" smtClean="0"/>
-              <a:t>09/11/2024</a:t>
+              <a:t>10/11/2024</a:t>
             </a:fld>
             <a:endParaRPr lang="en-DK"/>
           </a:p>
@@ -3306,7 +3306,7 @@
           <a:p>
             <a:fld id="{FD945BFA-2589-44DD-9174-8BD10EC1EAAD}" type="datetimeFigureOut">
               <a:rPr lang="en-DK" smtClean="0"/>
-              <a:t>09/11/2024</a:t>
+              <a:t>10/11/2024</a:t>
             </a:fld>
             <a:endParaRPr lang="en-DK"/>
           </a:p>
@@ -3595,7 +3595,7 @@
           <a:p>
             <a:fld id="{FD945BFA-2589-44DD-9174-8BD10EC1EAAD}" type="datetimeFigureOut">
               <a:rPr lang="en-DK" smtClean="0"/>
-              <a:t>09/11/2024</a:t>
+              <a:t>10/11/2024</a:t>
             </a:fld>
             <a:endParaRPr lang="en-DK"/>
           </a:p>
@@ -3838,7 +3838,7 @@
           <a:p>
             <a:fld id="{FD945BFA-2589-44DD-9174-8BD10EC1EAAD}" type="datetimeFigureOut">
               <a:rPr lang="en-DK" smtClean="0"/>
-              <a:t>09/11/2024</a:t>
+              <a:t>10/11/2024</a:t>
             </a:fld>
             <a:endParaRPr lang="en-DK"/>
           </a:p>
@@ -4269,8 +4269,8 @@
         </p:nvSpPr>
         <p:spPr>
           <a:xfrm>
-            <a:off x="1056000" y="586331"/>
-            <a:ext cx="10080000" cy="5685339"/>
+            <a:off x="0" y="1"/>
+            <a:ext cx="12192000" cy="5847435"/>
           </a:xfrm>
           <a:prstGeom prst="rect">
             <a:avLst/>
@@ -4292,7 +4292,7 @@
               </a:spcAft>
             </a:pPr>
             <a:r>
-              <a:rPr lang="en-GB" sz="4000" b="1" kern="100" dirty="0">
+              <a:rPr lang="en-GB" sz="4400" b="1" kern="100" dirty="0">
                 <a:effectLst/>
                 <a:latin typeface="Calibri" panose="020F0502020204030204" pitchFamily="34" charset="0"/>
                 <a:ea typeface="Times New Roman" panose="02020603050405020304" pitchFamily="18" charset="0"/>
@@ -4300,7 +4300,7 @@
               </a:rPr>
               <a:t>Pain Detection and Pain Tolerance Thresholds</a:t>
             </a:r>
-            <a:endParaRPr lang="en-DK" sz="1200" kern="100" dirty="0">
+            <a:endParaRPr lang="en-DK" sz="1400" kern="100" dirty="0">
               <a:effectLst/>
               <a:latin typeface="Calibri" panose="020F0502020204030204" pitchFamily="34" charset="0"/>
               <a:ea typeface="Times New Roman" panose="02020603050405020304" pitchFamily="18" charset="0"/>
@@ -4317,7 +4317,7 @@
               </a:spcAft>
             </a:pPr>
             <a:r>
-              <a:rPr lang="en-GB" sz="4000" kern="100" dirty="0">
+              <a:rPr lang="en-GB" sz="4400" kern="100" dirty="0">
                 <a:effectLst/>
                 <a:latin typeface="Calibri" panose="020F0502020204030204" pitchFamily="34" charset="0"/>
                 <a:ea typeface="Times New Roman" panose="02020603050405020304" pitchFamily="18" charset="0"/>
@@ -4325,7 +4325,7 @@
               </a:rPr>
               <a:t>Dominant Leg</a:t>
             </a:r>
-            <a:endParaRPr lang="en-DK" sz="1200" kern="100" dirty="0">
+            <a:endParaRPr lang="en-DK" sz="1400" kern="100" dirty="0">
               <a:effectLst/>
               <a:latin typeface="Calibri" panose="020F0502020204030204" pitchFamily="34" charset="0"/>
               <a:ea typeface="Times New Roman" panose="02020603050405020304" pitchFamily="18" charset="0"/>
@@ -4342,7 +4342,7 @@
               </a:spcAft>
             </a:pPr>
             <a:r>
-              <a:rPr lang="en-GB" sz="1200" kern="100" dirty="0">
+              <a:rPr lang="en-GB" sz="1400" kern="100" dirty="0">
                 <a:effectLst/>
                 <a:latin typeface="Calibri" panose="020F0502020204030204" pitchFamily="34" charset="0"/>
                 <a:ea typeface="Times New Roman" panose="02020603050405020304" pitchFamily="18" charset="0"/>
@@ -4350,7 +4350,7 @@
               </a:rPr>
               <a:t> </a:t>
             </a:r>
-            <a:endParaRPr lang="en-DK" sz="1200" kern="100" dirty="0">
+            <a:endParaRPr lang="en-DK" sz="1400" kern="100" dirty="0">
               <a:effectLst/>
               <a:latin typeface="Calibri" panose="020F0502020204030204" pitchFamily="34" charset="0"/>
               <a:ea typeface="Times New Roman" panose="02020603050405020304" pitchFamily="18" charset="0"/>
@@ -4367,7 +4367,7 @@
               </a:spcAft>
             </a:pPr>
             <a:r>
-              <a:rPr lang="en-GB" sz="2800" b="1" kern="100" dirty="0">
+              <a:rPr lang="en-GB" sz="3200" b="1" kern="100" dirty="0">
                 <a:effectLst/>
                 <a:latin typeface="Calibri" panose="020F0502020204030204" pitchFamily="34" charset="0"/>
                 <a:ea typeface="Times New Roman" panose="02020603050405020304" pitchFamily="18" charset="0"/>
@@ -4375,7 +4375,7 @@
               </a:rPr>
               <a:t>Instructions to the subject</a:t>
             </a:r>
-            <a:endParaRPr lang="en-DK" sz="1200" kern="100" dirty="0">
+            <a:endParaRPr lang="en-DK" sz="1400" kern="100" dirty="0">
               <a:effectLst/>
               <a:latin typeface="Calibri" panose="020F0502020204030204" pitchFamily="34" charset="0"/>
               <a:ea typeface="Times New Roman" panose="02020603050405020304" pitchFamily="18" charset="0"/>
@@ -4392,7 +4392,7 @@
               </a:spcAft>
             </a:pPr>
             <a:r>
-              <a:rPr lang="en-GB" sz="2800" kern="100" dirty="0">
+              <a:rPr lang="en-GB" sz="3200" kern="100" dirty="0">
                 <a:effectLst/>
                 <a:latin typeface="Calibri" panose="020F0502020204030204" pitchFamily="34" charset="0"/>
                 <a:ea typeface="Times New Roman" panose="02020603050405020304" pitchFamily="18" charset="0"/>
@@ -4401,7 +4401,7 @@
               <a:t>In this test, the pressure on the cuff on your dominant leg will gradually increase. I would like you to rate the pressure sensation with the scale in your hand. The scale goes from </a:t>
             </a:r>
             <a:r>
-              <a:rPr lang="en-GB" sz="2800" b="1" kern="100" dirty="0">
+              <a:rPr lang="en-GB" sz="3200" b="1" kern="100" dirty="0">
                 <a:effectLst/>
                 <a:latin typeface="Calibri" panose="020F0502020204030204" pitchFamily="34" charset="0"/>
                 <a:ea typeface="Times New Roman" panose="02020603050405020304" pitchFamily="18" charset="0"/>
@@ -4410,7 +4410,7 @@
               <a:t>No Pain</a:t>
             </a:r>
             <a:r>
-              <a:rPr lang="en-GB" sz="2800" kern="100" dirty="0">
+              <a:rPr lang="en-GB" sz="3200" kern="100" dirty="0">
                 <a:effectLst/>
                 <a:latin typeface="Calibri" panose="020F0502020204030204" pitchFamily="34" charset="0"/>
                 <a:ea typeface="Times New Roman" panose="02020603050405020304" pitchFamily="18" charset="0"/>
@@ -4419,7 +4419,7 @@
               <a:t> to </a:t>
             </a:r>
             <a:r>
-              <a:rPr lang="en-GB" sz="2800" b="1" kern="100" dirty="0">
+              <a:rPr lang="en-GB" sz="3200" b="1" kern="100" dirty="0">
                 <a:effectLst/>
                 <a:latin typeface="Calibri" panose="020F0502020204030204" pitchFamily="34" charset="0"/>
                 <a:ea typeface="Times New Roman" panose="02020603050405020304" pitchFamily="18" charset="0"/>
@@ -4428,7 +4428,7 @@
               <a:t>Maximal Pain</a:t>
             </a:r>
             <a:r>
-              <a:rPr lang="en-GB" sz="2800" kern="100" dirty="0">
+              <a:rPr lang="en-GB" sz="3200" kern="100" dirty="0">
                 <a:effectLst/>
                 <a:latin typeface="Calibri" panose="020F0502020204030204" pitchFamily="34" charset="0"/>
                 <a:ea typeface="Times New Roman" panose="02020603050405020304" pitchFamily="18" charset="0"/>
@@ -4436,7 +4436,7 @@
               </a:rPr>
               <a:t>. When you rate the pain, it is important that you start rating the moment you feel the slightest hint of pain. The Maximal Pain is the worst pain you can endure and when you reach this level the pressure will automatically stop.</a:t>
             </a:r>
-            <a:endParaRPr lang="en-DK" sz="1200" kern="100" dirty="0">
+            <a:endParaRPr lang="en-DK" sz="1400" kern="100" dirty="0">
               <a:effectLst/>
               <a:latin typeface="Calibri" panose="020F0502020204030204" pitchFamily="34" charset="0"/>
               <a:ea typeface="Times New Roman" panose="02020603050405020304" pitchFamily="18" charset="0"/>
@@ -4495,8 +4495,8 @@
         </p:nvSpPr>
         <p:spPr>
           <a:xfrm>
-            <a:off x="1056000" y="1277866"/>
-            <a:ext cx="10080000" cy="4302268"/>
+            <a:off x="0" y="0"/>
+            <a:ext cx="12192000" cy="4793556"/>
           </a:xfrm>
           <a:prstGeom prst="rect">
             <a:avLst/>
@@ -4518,7 +4518,7 @@
               </a:spcAft>
             </a:pPr>
             <a:r>
-              <a:rPr lang="en-GB" sz="4000" b="1" kern="100" dirty="0">
+              <a:rPr lang="en-GB" sz="4400" b="1" kern="100" dirty="0">
                 <a:effectLst/>
                 <a:latin typeface="Calibri" panose="020F0502020204030204" pitchFamily="34" charset="0"/>
                 <a:ea typeface="Times New Roman" panose="02020603050405020304" pitchFamily="18" charset="0"/>
@@ -4526,7 +4526,7 @@
               </a:rPr>
               <a:t>Pain Detection and Pain Tolerance Thresholds</a:t>
             </a:r>
-            <a:endParaRPr lang="en-DK" sz="1200" kern="100" dirty="0">
+            <a:endParaRPr lang="en-DK" sz="1400" kern="100" dirty="0">
               <a:effectLst/>
               <a:latin typeface="Calibri" panose="020F0502020204030204" pitchFamily="34" charset="0"/>
               <a:ea typeface="Times New Roman" panose="02020603050405020304" pitchFamily="18" charset="0"/>
@@ -4543,7 +4543,7 @@
               </a:spcAft>
             </a:pPr>
             <a:r>
-              <a:rPr lang="en-GB" sz="4000" kern="100" dirty="0">
+              <a:rPr lang="en-GB" sz="4400" kern="100" dirty="0">
                 <a:effectLst/>
                 <a:latin typeface="Calibri" panose="020F0502020204030204" pitchFamily="34" charset="0"/>
                 <a:ea typeface="Times New Roman" panose="02020603050405020304" pitchFamily="18" charset="0"/>
@@ -4551,7 +4551,7 @@
               </a:rPr>
               <a:t>Non-Dominant Leg</a:t>
             </a:r>
-            <a:endParaRPr lang="en-DK" sz="1200" kern="100" dirty="0">
+            <a:endParaRPr lang="en-DK" sz="1400" kern="100" dirty="0">
               <a:effectLst/>
               <a:latin typeface="Calibri" panose="020F0502020204030204" pitchFamily="34" charset="0"/>
               <a:ea typeface="Times New Roman" panose="02020603050405020304" pitchFamily="18" charset="0"/>
@@ -4568,7 +4568,7 @@
               </a:spcAft>
             </a:pPr>
             <a:r>
-              <a:rPr lang="en-GB" sz="1200" kern="100" dirty="0">
+              <a:rPr lang="en-GB" sz="1400" kern="100" dirty="0">
                 <a:effectLst/>
                 <a:latin typeface="Calibri" panose="020F0502020204030204" pitchFamily="34" charset="0"/>
                 <a:ea typeface="Times New Roman" panose="02020603050405020304" pitchFamily="18" charset="0"/>
@@ -4576,7 +4576,7 @@
               </a:rPr>
               <a:t> </a:t>
             </a:r>
-            <a:endParaRPr lang="en-DK" sz="1200" kern="100" dirty="0">
+            <a:endParaRPr lang="en-DK" sz="1400" kern="100" dirty="0">
               <a:effectLst/>
               <a:latin typeface="Calibri" panose="020F0502020204030204" pitchFamily="34" charset="0"/>
               <a:ea typeface="Times New Roman" panose="02020603050405020304" pitchFamily="18" charset="0"/>
@@ -4593,7 +4593,7 @@
               </a:spcAft>
             </a:pPr>
             <a:r>
-              <a:rPr lang="en-GB" sz="2800" b="1" kern="100" dirty="0">
+              <a:rPr lang="en-GB" sz="3200" b="1" kern="100" dirty="0">
                 <a:effectLst/>
                 <a:latin typeface="Calibri" panose="020F0502020204030204" pitchFamily="34" charset="0"/>
                 <a:ea typeface="Times New Roman" panose="02020603050405020304" pitchFamily="18" charset="0"/>
@@ -4601,7 +4601,7 @@
               </a:rPr>
               <a:t>Instructions to the subject</a:t>
             </a:r>
-            <a:endParaRPr lang="en-DK" sz="1200" kern="100" dirty="0">
+            <a:endParaRPr lang="en-DK" sz="1400" kern="100" dirty="0">
               <a:effectLst/>
               <a:latin typeface="Calibri" panose="020F0502020204030204" pitchFamily="34" charset="0"/>
               <a:ea typeface="Times New Roman" panose="02020603050405020304" pitchFamily="18" charset="0"/>
@@ -4618,7 +4618,7 @@
               </a:spcAft>
             </a:pPr>
             <a:r>
-              <a:rPr lang="en-GB" sz="2800" kern="100" dirty="0">
+              <a:rPr lang="en-GB" sz="3200" kern="100" dirty="0">
                 <a:effectLst/>
                 <a:latin typeface="Calibri" panose="020F0502020204030204" pitchFamily="34" charset="0"/>
                 <a:ea typeface="Times New Roman" panose="02020603050405020304" pitchFamily="18" charset="0"/>
@@ -4626,7 +4626,7 @@
               </a:rPr>
               <a:t>In this test, the pressure on the cuff on your non-dominant leg will gradually increase. I would like you to rate the pressure sensation with the scale in your hand. Please rate this pressure sensation in the same way as before.</a:t>
             </a:r>
-            <a:endParaRPr lang="en-DK" sz="1200" kern="100" dirty="0">
+            <a:endParaRPr lang="en-DK" sz="1400" kern="100" dirty="0">
               <a:effectLst/>
               <a:latin typeface="Calibri" panose="020F0502020204030204" pitchFamily="34" charset="0"/>
               <a:ea typeface="Times New Roman" panose="02020603050405020304" pitchFamily="18" charset="0"/>
@@ -4685,8 +4685,8 @@
         </p:nvSpPr>
         <p:spPr>
           <a:xfrm>
-            <a:off x="1056000" y="966948"/>
-            <a:ext cx="10080000" cy="4924105"/>
+            <a:off x="0" y="0"/>
+            <a:ext cx="12192000" cy="5547288"/>
           </a:xfrm>
           <a:prstGeom prst="rect">
             <a:avLst/>
@@ -4708,7 +4708,7 @@
               </a:spcAft>
             </a:pPr>
             <a:r>
-              <a:rPr lang="en-GB" sz="4000" b="1" kern="100" dirty="0">
+              <a:rPr lang="en-GB" sz="4400" b="1" kern="100" dirty="0">
                 <a:effectLst/>
                 <a:latin typeface="Calibri" panose="020F0502020204030204" pitchFamily="34" charset="0"/>
                 <a:ea typeface="Times New Roman" panose="02020603050405020304" pitchFamily="18" charset="0"/>
@@ -4716,7 +4716,7 @@
               </a:rPr>
               <a:t>Temporal Summation</a:t>
             </a:r>
-            <a:endParaRPr lang="en-DK" sz="1200" kern="100" dirty="0">
+            <a:endParaRPr lang="en-DK" sz="1400" kern="100" dirty="0">
               <a:effectLst/>
               <a:latin typeface="Calibri" panose="020F0502020204030204" pitchFamily="34" charset="0"/>
               <a:ea typeface="Times New Roman" panose="02020603050405020304" pitchFamily="18" charset="0"/>
@@ -4733,7 +4733,7 @@
               </a:spcAft>
             </a:pPr>
             <a:r>
-              <a:rPr lang="en-GB" sz="1200" kern="100" dirty="0">
+              <a:rPr lang="en-GB" sz="1400" kern="100" dirty="0">
                 <a:effectLst/>
                 <a:latin typeface="Calibri" panose="020F0502020204030204" pitchFamily="34" charset="0"/>
                 <a:ea typeface="Times New Roman" panose="02020603050405020304" pitchFamily="18" charset="0"/>
@@ -4741,7 +4741,7 @@
               </a:rPr>
               <a:t> </a:t>
             </a:r>
-            <a:endParaRPr lang="en-DK" sz="1200" kern="100" dirty="0">
+            <a:endParaRPr lang="en-DK" sz="1400" kern="100" dirty="0">
               <a:effectLst/>
               <a:latin typeface="Calibri" panose="020F0502020204030204" pitchFamily="34" charset="0"/>
               <a:ea typeface="Times New Roman" panose="02020603050405020304" pitchFamily="18" charset="0"/>
@@ -4758,7 +4758,7 @@
               </a:spcAft>
             </a:pPr>
             <a:r>
-              <a:rPr lang="en-GB" sz="2800" b="1" kern="100" dirty="0">
+              <a:rPr lang="en-GB" sz="3200" b="1" kern="100" dirty="0">
                 <a:effectLst/>
                 <a:latin typeface="Calibri" panose="020F0502020204030204" pitchFamily="34" charset="0"/>
                 <a:ea typeface="Times New Roman" panose="02020603050405020304" pitchFamily="18" charset="0"/>
@@ -4766,7 +4766,7 @@
               </a:rPr>
               <a:t>Instructions the subject</a:t>
             </a:r>
-            <a:endParaRPr lang="en-DK" sz="1200" kern="100" dirty="0">
+            <a:endParaRPr lang="en-DK" sz="1400" kern="100" dirty="0">
               <a:effectLst/>
               <a:latin typeface="Calibri" panose="020F0502020204030204" pitchFamily="34" charset="0"/>
               <a:ea typeface="Times New Roman" panose="02020603050405020304" pitchFamily="18" charset="0"/>
@@ -4783,15 +4783,15 @@
               </a:spcAft>
             </a:pPr>
             <a:r>
-              <a:rPr lang="en-GB" sz="2800" kern="100" dirty="0">
+              <a:rPr lang="en-GB" sz="3200" kern="100" dirty="0">
                 <a:effectLst/>
                 <a:latin typeface="Calibri" panose="020F0502020204030204" pitchFamily="34" charset="0"/>
                 <a:ea typeface="Times New Roman" panose="02020603050405020304" pitchFamily="18" charset="0"/>
                 <a:cs typeface="Times New Roman" panose="02020603050405020304" pitchFamily="18" charset="0"/>
               </a:rPr>
-              <a:t>This is a new test that is a bit different from the ones before. In this test you will feel pressure squeezes one after another. For each squeeze rate the pressure sensation as quickly as possible with the rating scale in your hand. After you rated the sensation just leave the slider where it is until you feel the next squeeze. The squeezes comes fast and there is no wright or wrong answer, just provide your immediate rating of the sensation as fast as possible.</a:t>
-            </a:r>
-            <a:endParaRPr lang="en-DK" sz="1200" kern="100" dirty="0">
+              <a:t>This is a new test that is a bit different from the ones before. In this test you will feel pressure squeezes one after another. For each squeeze rate the pressure sensation as quickly as possible with the rating scale in your hand. After you rated the sensation just leave the slider where it is until you feel the next squeeze. The squeezes comes fast and there is no right or wrong answer, just provide your immediate rating of the sensation as fast as possible.</a:t>
+            </a:r>
+            <a:endParaRPr lang="en-DK" sz="1400" kern="100" dirty="0">
               <a:effectLst/>
               <a:latin typeface="Calibri" panose="020F0502020204030204" pitchFamily="34" charset="0"/>
               <a:ea typeface="Times New Roman" panose="02020603050405020304" pitchFamily="18" charset="0"/>
@@ -4850,8 +4850,8 @@
         </p:nvSpPr>
         <p:spPr>
           <a:xfrm>
-            <a:off x="1056000" y="736436"/>
-            <a:ext cx="10080000" cy="5385129"/>
+            <a:off x="0" y="0"/>
+            <a:ext cx="12192000" cy="6074227"/>
           </a:xfrm>
           <a:prstGeom prst="rect">
             <a:avLst/>
@@ -4873,7 +4873,7 @@
               </a:spcAft>
             </a:pPr>
             <a:r>
-              <a:rPr lang="en-GB" sz="4000" b="1" kern="100" dirty="0">
+              <a:rPr lang="en-GB" sz="4400" b="1" kern="100" dirty="0">
                 <a:effectLst/>
                 <a:latin typeface="Calibri" panose="020F0502020204030204" pitchFamily="34" charset="0"/>
                 <a:ea typeface="Times New Roman" panose="02020603050405020304" pitchFamily="18" charset="0"/>
@@ -4881,7 +4881,7 @@
               </a:rPr>
               <a:t>Conditioned Pain Modulation</a:t>
             </a:r>
-            <a:endParaRPr lang="en-DK" sz="1200" kern="100" dirty="0">
+            <a:endParaRPr lang="en-DK" sz="1400" kern="100" dirty="0">
               <a:effectLst/>
               <a:latin typeface="Calibri" panose="020F0502020204030204" pitchFamily="34" charset="0"/>
               <a:ea typeface="Times New Roman" panose="02020603050405020304" pitchFamily="18" charset="0"/>
@@ -4898,7 +4898,7 @@
               </a:spcAft>
             </a:pPr>
             <a:r>
-              <a:rPr lang="en-GB" sz="1200" kern="100" dirty="0">
+              <a:rPr lang="en-GB" sz="1400" kern="100" dirty="0">
                 <a:effectLst/>
                 <a:latin typeface="Calibri" panose="020F0502020204030204" pitchFamily="34" charset="0"/>
                 <a:ea typeface="Times New Roman" panose="02020603050405020304" pitchFamily="18" charset="0"/>
@@ -4906,7 +4906,7 @@
               </a:rPr>
               <a:t> </a:t>
             </a:r>
-            <a:endParaRPr lang="en-DK" sz="1200" kern="100" dirty="0">
+            <a:endParaRPr lang="en-DK" sz="1400" kern="100" dirty="0">
               <a:effectLst/>
               <a:latin typeface="Calibri" panose="020F0502020204030204" pitchFamily="34" charset="0"/>
               <a:ea typeface="Times New Roman" panose="02020603050405020304" pitchFamily="18" charset="0"/>
@@ -4923,7 +4923,7 @@
               </a:spcAft>
             </a:pPr>
             <a:r>
-              <a:rPr lang="en-GB" sz="2800" b="1" kern="100" dirty="0">
+              <a:rPr lang="en-GB" sz="3200" b="1" kern="100" dirty="0">
                 <a:effectLst/>
                 <a:latin typeface="Calibri" panose="020F0502020204030204" pitchFamily="34" charset="0"/>
                 <a:ea typeface="Times New Roman" panose="02020603050405020304" pitchFamily="18" charset="0"/>
@@ -4931,7 +4931,7 @@
               </a:rPr>
               <a:t>Instructions to the subject</a:t>
             </a:r>
-            <a:endParaRPr lang="en-DK" sz="1200" kern="100" dirty="0">
+            <a:endParaRPr lang="en-DK" sz="1400" kern="100" dirty="0">
               <a:effectLst/>
               <a:latin typeface="Calibri" panose="020F0502020204030204" pitchFamily="34" charset="0"/>
               <a:ea typeface="Times New Roman" panose="02020603050405020304" pitchFamily="18" charset="0"/>
@@ -4948,7 +4948,7 @@
               </a:spcAft>
             </a:pPr>
             <a:r>
-              <a:rPr lang="en-GB" sz="2800" kern="100" dirty="0">
+              <a:rPr lang="en-GB" sz="3200" kern="100" dirty="0">
                 <a:effectLst/>
                 <a:latin typeface="Calibri" panose="020F0502020204030204" pitchFamily="34" charset="0"/>
                 <a:ea typeface="Times New Roman" panose="02020603050405020304" pitchFamily="18" charset="0"/>
@@ -4957,7 +4957,7 @@
               <a:t>In this test you will feel an intense painful pressure squeeze on your non-dominant leg while the pressure on the cuff on your dominant leg will gradually increase. I would like you to rate the pain you feel on the dominant leg only with the scale in your hand. The scale goes from </a:t>
             </a:r>
             <a:r>
-              <a:rPr lang="en-GB" sz="2800" b="1" kern="100" dirty="0">
+              <a:rPr lang="en-GB" sz="3200" b="1" kern="100" dirty="0">
                 <a:effectLst/>
                 <a:latin typeface="Calibri" panose="020F0502020204030204" pitchFamily="34" charset="0"/>
                 <a:ea typeface="Times New Roman" panose="02020603050405020304" pitchFamily="18" charset="0"/>
@@ -4966,7 +4966,7 @@
               <a:t>No Pain</a:t>
             </a:r>
             <a:r>
-              <a:rPr lang="en-GB" sz="2800" kern="100" dirty="0">
+              <a:rPr lang="en-GB" sz="3200" kern="100" dirty="0">
                 <a:effectLst/>
                 <a:latin typeface="Calibri" panose="020F0502020204030204" pitchFamily="34" charset="0"/>
                 <a:ea typeface="Times New Roman" panose="02020603050405020304" pitchFamily="18" charset="0"/>
@@ -4975,7 +4975,7 @@
               <a:t> to </a:t>
             </a:r>
             <a:r>
-              <a:rPr lang="en-GB" sz="2800" b="1" kern="100" dirty="0">
+              <a:rPr lang="en-GB" sz="3200" b="1" kern="100" dirty="0">
                 <a:effectLst/>
                 <a:latin typeface="Calibri" panose="020F0502020204030204" pitchFamily="34" charset="0"/>
                 <a:ea typeface="Times New Roman" panose="02020603050405020304" pitchFamily="18" charset="0"/>
@@ -4984,7 +4984,7 @@
               <a:t>Maximal Pain</a:t>
             </a:r>
             <a:r>
-              <a:rPr lang="en-GB" sz="2800" kern="100" dirty="0">
+              <a:rPr lang="en-GB" sz="3200" kern="100" dirty="0">
                 <a:effectLst/>
                 <a:latin typeface="Calibri" panose="020F0502020204030204" pitchFamily="34" charset="0"/>
                 <a:ea typeface="Times New Roman" panose="02020603050405020304" pitchFamily="18" charset="0"/>
@@ -4992,7 +4992,7 @@
               </a:rPr>
               <a:t>. When you rate the pain, it is important that you start rating the moment you feel the slightest hint of pain. The Maximal Pain is the worst pain you can endure and when you reach this level the pressure will automatically stop.</a:t>
             </a:r>
-            <a:endParaRPr lang="en-DK" sz="1200" kern="100" dirty="0">
+            <a:endParaRPr lang="en-DK" sz="1400" kern="100" dirty="0">
               <a:effectLst/>
               <a:latin typeface="Calibri" panose="020F0502020204030204" pitchFamily="34" charset="0"/>
               <a:ea typeface="Times New Roman" panose="02020603050405020304" pitchFamily="18" charset="0"/>
